--- a/lectures/Lecture_06_exploratory_analyses_II.pptx
+++ b/lectures/Lecture_06_exploratory_analyses_II.pptx
@@ -7408,7 +7408,7 @@
             </a:pPr>
             <a:r>
               <a:rPr lang="en"/>
-              <a:t>Do chapter 4</a:t>
+              <a:t>Do chapter 3</a:t>
             </a:r>
             <a:endParaRPr/>
           </a:p>
